--- a/Français/2.Preparing data/4.Transposition.pptx
+++ b/Français/2.Preparing data/4.Transposition.pptx
@@ -5,7 +5,7 @@
     <p:sldMasterId id="2147483648" r:id="rId1"/>
   </p:sldMasterIdLst>
   <p:notesMasterIdLst>
-    <p:notesMasterId r:id="rId8"/>
+    <p:notesMasterId r:id="rId13"/>
   </p:notesMasterIdLst>
   <p:sldIdLst>
     <p:sldId id="256" r:id="rId2"/>
@@ -13,7 +13,12 @@
     <p:sldId id="259" r:id="rId4"/>
     <p:sldId id="261" r:id="rId5"/>
     <p:sldId id="260" r:id="rId6"/>
-    <p:sldId id="258" r:id="rId7"/>
+    <p:sldId id="262" r:id="rId7"/>
+    <p:sldId id="263" r:id="rId8"/>
+    <p:sldId id="264" r:id="rId9"/>
+    <p:sldId id="265" r:id="rId10"/>
+    <p:sldId id="266" r:id="rId11"/>
+    <p:sldId id="258" r:id="rId12"/>
   </p:sldIdLst>
   <p:sldSz cx="12192000" cy="6858000"/>
   <p:notesSz cx="6858000" cy="9144000"/>
@@ -202,7 +207,7 @@
           <a:p>
             <a:fld id="{056BA3B8-9F76-4D81-B71D-76CB85363062}" type="datetimeFigureOut">
               <a:rPr lang="en-US" smtClean="0"/>
-              <a:t>2/25/2025</a:t>
+              <a:t>3/4/2025</a:t>
             </a:fld>
             <a:endParaRPr lang="en-US"/>
           </a:p>
@@ -601,7 +606,7 @@
           <a:p>
             <a:fld id="{6F01DA4D-20EA-48D2-973C-0311EC3005D6}" type="datetimeFigureOut">
               <a:rPr lang="en-US" smtClean="0"/>
-              <a:t>2/25/2025</a:t>
+              <a:t>3/4/2025</a:t>
             </a:fld>
             <a:endParaRPr lang="en-US"/>
           </a:p>
@@ -771,7 +776,7 @@
           <a:p>
             <a:fld id="{6F01DA4D-20EA-48D2-973C-0311EC3005D6}" type="datetimeFigureOut">
               <a:rPr lang="en-US" smtClean="0"/>
-              <a:t>2/25/2025</a:t>
+              <a:t>3/4/2025</a:t>
             </a:fld>
             <a:endParaRPr lang="en-US"/>
           </a:p>
@@ -951,7 +956,7 @@
           <a:p>
             <a:fld id="{6F01DA4D-20EA-48D2-973C-0311EC3005D6}" type="datetimeFigureOut">
               <a:rPr lang="en-US" smtClean="0"/>
-              <a:t>2/25/2025</a:t>
+              <a:t>3/4/2025</a:t>
             </a:fld>
             <a:endParaRPr lang="en-US"/>
           </a:p>
@@ -1121,7 +1126,7 @@
           <a:p>
             <a:fld id="{6F01DA4D-20EA-48D2-973C-0311EC3005D6}" type="datetimeFigureOut">
               <a:rPr lang="en-US" smtClean="0"/>
-              <a:t>2/25/2025</a:t>
+              <a:t>3/4/2025</a:t>
             </a:fld>
             <a:endParaRPr lang="en-US"/>
           </a:p>
@@ -1367,7 +1372,7 @@
           <a:p>
             <a:fld id="{6F01DA4D-20EA-48D2-973C-0311EC3005D6}" type="datetimeFigureOut">
               <a:rPr lang="en-US" smtClean="0"/>
-              <a:t>2/25/2025</a:t>
+              <a:t>3/4/2025</a:t>
             </a:fld>
             <a:endParaRPr lang="en-US"/>
           </a:p>
@@ -1599,7 +1604,7 @@
           <a:p>
             <a:fld id="{6F01DA4D-20EA-48D2-973C-0311EC3005D6}" type="datetimeFigureOut">
               <a:rPr lang="en-US" smtClean="0"/>
-              <a:t>2/25/2025</a:t>
+              <a:t>3/4/2025</a:t>
             </a:fld>
             <a:endParaRPr lang="en-US"/>
           </a:p>
@@ -1966,7 +1971,7 @@
           <a:p>
             <a:fld id="{6F01DA4D-20EA-48D2-973C-0311EC3005D6}" type="datetimeFigureOut">
               <a:rPr lang="en-US" smtClean="0"/>
-              <a:t>2/25/2025</a:t>
+              <a:t>3/4/2025</a:t>
             </a:fld>
             <a:endParaRPr lang="en-US"/>
           </a:p>
@@ -2084,7 +2089,7 @@
           <a:p>
             <a:fld id="{6F01DA4D-20EA-48D2-973C-0311EC3005D6}" type="datetimeFigureOut">
               <a:rPr lang="en-US" smtClean="0"/>
-              <a:t>2/25/2025</a:t>
+              <a:t>3/4/2025</a:t>
             </a:fld>
             <a:endParaRPr lang="en-US"/>
           </a:p>
@@ -2179,7 +2184,7 @@
           <a:p>
             <a:fld id="{6F01DA4D-20EA-48D2-973C-0311EC3005D6}" type="datetimeFigureOut">
               <a:rPr lang="en-US" smtClean="0"/>
-              <a:t>2/25/2025</a:t>
+              <a:t>3/4/2025</a:t>
             </a:fld>
             <a:endParaRPr lang="en-US"/>
           </a:p>
@@ -2456,7 +2461,7 @@
           <a:p>
             <a:fld id="{6F01DA4D-20EA-48D2-973C-0311EC3005D6}" type="datetimeFigureOut">
               <a:rPr lang="en-US" smtClean="0"/>
-              <a:t>2/25/2025</a:t>
+              <a:t>3/4/2025</a:t>
             </a:fld>
             <a:endParaRPr lang="en-US"/>
           </a:p>
@@ -2709,7 +2714,7 @@
           <a:p>
             <a:fld id="{6F01DA4D-20EA-48D2-973C-0311EC3005D6}" type="datetimeFigureOut">
               <a:rPr lang="en-US" smtClean="0"/>
-              <a:t>2/25/2025</a:t>
+              <a:t>3/4/2025</a:t>
             </a:fld>
             <a:endParaRPr lang="en-US"/>
           </a:p>
@@ -2922,7 +2927,7 @@
           <a:p>
             <a:fld id="{6F01DA4D-20EA-48D2-973C-0311EC3005D6}" type="datetimeFigureOut">
               <a:rPr lang="en-US" smtClean="0"/>
-              <a:t>2/25/2025</a:t>
+              <a:t>3/4/2025</a:t>
             </a:fld>
             <a:endParaRPr lang="en-US"/>
           </a:p>
@@ -3436,6 +3441,290 @@
 </p:sld>
 </file>
 
+<file path=ppt/slides/slide10.xml><?xml version="1.0" encoding="utf-8"?>
+<p:sld xmlns:a="http://schemas.openxmlformats.org/drawingml/2006/main" xmlns:r="http://schemas.openxmlformats.org/officeDocument/2006/relationships" xmlns:p="http://schemas.openxmlformats.org/presentationml/2006/main">
+  <p:cSld>
+    <p:spTree>
+      <p:nvGrpSpPr>
+        <p:cNvPr id="1" name=""/>
+        <p:cNvGrpSpPr/>
+        <p:nvPr/>
+      </p:nvGrpSpPr>
+      <p:grpSpPr>
+        <a:xfrm>
+          <a:off x="0" y="0"/>
+          <a:ext cx="0" cy="0"/>
+          <a:chOff x="0" y="0"/>
+          <a:chExt cx="0" cy="0"/>
+        </a:xfrm>
+      </p:grpSpPr>
+      <p:sp>
+        <p:nvSpPr>
+          <p:cNvPr id="2" name="TextBox 1"/>
+          <p:cNvSpPr txBox="1"/>
+          <p:nvPr/>
+        </p:nvSpPr>
+        <p:spPr>
+          <a:xfrm>
+            <a:off x="302509" y="302508"/>
+            <a:ext cx="1991764" cy="461665"/>
+          </a:xfrm>
+          <a:prstGeom prst="rect">
+            <a:avLst/>
+          </a:prstGeom>
+          <a:noFill/>
+        </p:spPr>
+        <p:txBody>
+          <a:bodyPr wrap="none" rtlCol="0">
+            <a:spAutoFit/>
+          </a:bodyPr>
+          <a:lstStyle/>
+          <a:p>
+            <a:r>
+              <a:rPr lang="fr-FR" sz="2400" dirty="0" smtClean="0">
+                <a:latin typeface="Segoe UI" panose="020B0502040204020203" pitchFamily="34" charset="0"/>
+                <a:cs typeface="Segoe UI" panose="020B0502040204020203" pitchFamily="34" charset="0"/>
+              </a:rPr>
+              <a:t>Transposition</a:t>
+            </a:r>
+            <a:endParaRPr lang="en-US" sz="2400" dirty="0">
+              <a:latin typeface="Segoe UI" panose="020B0502040204020203" pitchFamily="34" charset="0"/>
+              <a:cs typeface="Segoe UI" panose="020B0502040204020203" pitchFamily="34" charset="0"/>
+            </a:endParaRPr>
+          </a:p>
+        </p:txBody>
+      </p:sp>
+      <p:sp>
+        <p:nvSpPr>
+          <p:cNvPr id="3" name="Rectangle 2"/>
+          <p:cNvSpPr/>
+          <p:nvPr/>
+        </p:nvSpPr>
+        <p:spPr>
+          <a:xfrm>
+            <a:off x="374169" y="810564"/>
+            <a:ext cx="3065904" cy="400110"/>
+          </a:xfrm>
+          <a:prstGeom prst="rect">
+            <a:avLst/>
+          </a:prstGeom>
+        </p:spPr>
+        <p:txBody>
+          <a:bodyPr wrap="none">
+            <a:spAutoFit/>
+          </a:bodyPr>
+          <a:lstStyle/>
+          <a:p>
+            <a:r>
+              <a:rPr lang="fr-FR" sz="2000" dirty="0" smtClean="0"/>
+              <a:t>Le résultat final devrait être</a:t>
+            </a:r>
+            <a:endParaRPr lang="en-US" sz="2000" dirty="0"/>
+          </a:p>
+        </p:txBody>
+      </p:sp>
+      <p:pic>
+        <p:nvPicPr>
+          <p:cNvPr id="4" name="Picture 3"/>
+          <p:cNvPicPr>
+            <a:picLocks noChangeAspect="1"/>
+          </p:cNvPicPr>
+          <p:nvPr/>
+        </p:nvPicPr>
+        <p:blipFill>
+          <a:blip r:embed="rId2"/>
+          <a:stretch>
+            <a:fillRect/>
+          </a:stretch>
+        </p:blipFill>
+        <p:spPr>
+          <a:xfrm>
+            <a:off x="532239" y="1313704"/>
+            <a:ext cx="6067941" cy="5038665"/>
+          </a:xfrm>
+          <a:prstGeom prst="rect">
+            <a:avLst/>
+          </a:prstGeom>
+        </p:spPr>
+      </p:pic>
+    </p:spTree>
+    <p:extLst>
+      <p:ext uri="{BB962C8B-B14F-4D97-AF65-F5344CB8AC3E}">
+        <p14:creationId xmlns:p14="http://schemas.microsoft.com/office/powerpoint/2010/main" val="2213275724"/>
+      </p:ext>
+    </p:extLst>
+  </p:cSld>
+  <p:clrMapOvr>
+    <a:masterClrMapping/>
+  </p:clrMapOvr>
+</p:sld>
+</file>
+
+<file path=ppt/slides/slide11.xml><?xml version="1.0" encoding="utf-8"?>
+<p:sld xmlns:a="http://schemas.openxmlformats.org/drawingml/2006/main" xmlns:r="http://schemas.openxmlformats.org/officeDocument/2006/relationships" xmlns:p="http://schemas.openxmlformats.org/presentationml/2006/main">
+  <p:cSld>
+    <p:bg>
+      <p:bgPr>
+        <a:solidFill>
+          <a:srgbClr val="FFC000"/>
+        </a:solidFill>
+        <a:effectLst/>
+      </p:bgPr>
+    </p:bg>
+    <p:spTree>
+      <p:nvGrpSpPr>
+        <p:cNvPr id="1" name=""/>
+        <p:cNvGrpSpPr/>
+        <p:nvPr/>
+      </p:nvGrpSpPr>
+      <p:grpSpPr>
+        <a:xfrm>
+          <a:off x="0" y="0"/>
+          <a:ext cx="0" cy="0"/>
+          <a:chOff x="0" y="0"/>
+          <a:chExt cx="0" cy="0"/>
+        </a:xfrm>
+      </p:grpSpPr>
+      <p:sp>
+        <p:nvSpPr>
+          <p:cNvPr id="2" name="AutoShape 2" descr="Minimalistic illustration in black and white on a white background with the text 'Thank You' elegantly styled below. The design features simple, clean icons such as a handshake or a ribbon to symbolize gratitude, with a professional and modern aesthetic suitable for a presentation closing slide."/>
+          <p:cNvSpPr>
+            <a:spLocks noChangeAspect="1" noChangeArrowheads="1"/>
+          </p:cNvSpPr>
+          <p:nvPr/>
+        </p:nvSpPr>
+        <p:spPr bwMode="auto">
+          <a:xfrm>
+            <a:off x="155575" y="-144463"/>
+            <a:ext cx="304800" cy="304801"/>
+          </a:xfrm>
+          <a:prstGeom prst="rect">
+            <a:avLst/>
+          </a:prstGeom>
+          <a:noFill/>
+          <a:extLst>
+            <a:ext uri="{909E8E84-426E-40DD-AFC4-6F175D3DCCD1}">
+              <a14:hiddenFill xmlns:a14="http://schemas.microsoft.com/office/drawing/2010/main">
+                <a:solidFill>
+                  <a:srgbClr val="FFFFFF"/>
+                </a:solidFill>
+              </a14:hiddenFill>
+            </a:ext>
+          </a:extLst>
+        </p:spPr>
+        <p:txBody>
+          <a:bodyPr vert="horz" wrap="square" lIns="91440" tIns="45720" rIns="91440" bIns="45720" numCol="1" anchor="t" anchorCtr="0" compatLnSpc="1">
+            <a:prstTxWarp prst="textNoShape">
+              <a:avLst/>
+            </a:prstTxWarp>
+          </a:bodyPr>
+          <a:lstStyle/>
+          <a:p>
+            <a:endParaRPr lang="en-US"/>
+          </a:p>
+        </p:txBody>
+      </p:sp>
+      <p:sp>
+        <p:nvSpPr>
+          <p:cNvPr id="7" name="TextBox 6"/>
+          <p:cNvSpPr txBox="1"/>
+          <p:nvPr/>
+        </p:nvSpPr>
+        <p:spPr>
+          <a:xfrm>
+            <a:off x="4084981" y="2485566"/>
+            <a:ext cx="3456395" cy="1569660"/>
+          </a:xfrm>
+          <a:prstGeom prst="rect">
+            <a:avLst/>
+          </a:prstGeom>
+          <a:noFill/>
+        </p:spPr>
+        <p:txBody>
+          <a:bodyPr wrap="none" rtlCol="0">
+            <a:spAutoFit/>
+          </a:bodyPr>
+          <a:lstStyle/>
+          <a:p>
+            <a:r>
+              <a:rPr lang="en-US" sz="9600" b="1" dirty="0" smtClean="0">
+                <a:solidFill>
+                  <a:srgbClr val="7030A0"/>
+                </a:solidFill>
+                <a:latin typeface="Segoe UI" panose="020B0502040204020203" pitchFamily="34" charset="0"/>
+                <a:ea typeface="Verdana" panose="020B0604030504040204" pitchFamily="34" charset="0"/>
+                <a:cs typeface="Segoe UI" panose="020B0502040204020203" pitchFamily="34" charset="0"/>
+              </a:rPr>
+              <a:t>Merci</a:t>
+            </a:r>
+            <a:endParaRPr lang="en-US" sz="9600" b="1" dirty="0">
+              <a:solidFill>
+                <a:srgbClr val="7030A0"/>
+              </a:solidFill>
+              <a:latin typeface="Segoe UI" panose="020B0502040204020203" pitchFamily="34" charset="0"/>
+              <a:ea typeface="Verdana" panose="020B0604030504040204" pitchFamily="34" charset="0"/>
+              <a:cs typeface="Segoe UI" panose="020B0502040204020203" pitchFamily="34" charset="0"/>
+            </a:endParaRPr>
+          </a:p>
+        </p:txBody>
+      </p:sp>
+      <p:sp>
+        <p:nvSpPr>
+          <p:cNvPr id="8" name="TextBox 7"/>
+          <p:cNvSpPr txBox="1"/>
+          <p:nvPr/>
+        </p:nvSpPr>
+        <p:spPr>
+          <a:xfrm>
+            <a:off x="4014739" y="2410365"/>
+            <a:ext cx="3456395" cy="1569660"/>
+          </a:xfrm>
+          <a:prstGeom prst="rect">
+            <a:avLst/>
+          </a:prstGeom>
+          <a:noFill/>
+        </p:spPr>
+        <p:txBody>
+          <a:bodyPr wrap="none" rtlCol="0">
+            <a:spAutoFit/>
+          </a:bodyPr>
+          <a:lstStyle/>
+          <a:p>
+            <a:r>
+              <a:rPr lang="en-US" sz="9600" b="1" dirty="0" smtClean="0">
+                <a:solidFill>
+                  <a:schemeClr val="bg1"/>
+                </a:solidFill>
+                <a:latin typeface="Segoe UI" panose="020B0502040204020203" pitchFamily="34" charset="0"/>
+                <a:ea typeface="Verdana" panose="020B0604030504040204" pitchFamily="34" charset="0"/>
+                <a:cs typeface="Segoe UI" panose="020B0502040204020203" pitchFamily="34" charset="0"/>
+              </a:rPr>
+              <a:t>Merci</a:t>
+            </a:r>
+            <a:endParaRPr lang="en-US" sz="9600" b="1" dirty="0">
+              <a:solidFill>
+                <a:schemeClr val="bg1"/>
+              </a:solidFill>
+              <a:latin typeface="Segoe UI" panose="020B0502040204020203" pitchFamily="34" charset="0"/>
+              <a:ea typeface="Verdana" panose="020B0604030504040204" pitchFamily="34" charset="0"/>
+              <a:cs typeface="Segoe UI" panose="020B0502040204020203" pitchFamily="34" charset="0"/>
+            </a:endParaRPr>
+          </a:p>
+        </p:txBody>
+      </p:sp>
+    </p:spTree>
+    <p:extLst>
+      <p:ext uri="{BB962C8B-B14F-4D97-AF65-F5344CB8AC3E}">
+        <p14:creationId xmlns:p14="http://schemas.microsoft.com/office/powerpoint/2010/main" val="3494127604"/>
+      </p:ext>
+    </p:extLst>
+  </p:cSld>
+  <p:clrMapOvr>
+    <a:masterClrMapping/>
+  </p:clrMapOvr>
+</p:sld>
+</file>
+
 <file path=ppt/slides/slide2.xml><?xml version="1.0" encoding="utf-8"?>
 <p:sld xmlns:a="http://schemas.openxmlformats.org/drawingml/2006/main" xmlns:r="http://schemas.openxmlformats.org/officeDocument/2006/relationships" xmlns:p="http://schemas.openxmlformats.org/presentationml/2006/main">
   <p:cSld>
@@ -3491,14 +3780,14 @@
       </p:sp>
       <p:sp>
         <p:nvSpPr>
-          <p:cNvPr id="5" name="Rectangle 4"/>
+          <p:cNvPr id="4" name="Rectangle 3"/>
           <p:cNvSpPr/>
           <p:nvPr/>
         </p:nvSpPr>
         <p:spPr>
           <a:xfrm>
-            <a:off x="282895" y="1975654"/>
-            <a:ext cx="3807709" cy="373692"/>
+            <a:off x="282895" y="1384849"/>
+            <a:ext cx="4901085" cy="400110"/>
           </a:xfrm>
           <a:prstGeom prst="rect">
             <a:avLst/>
@@ -3510,34 +3799,95 @@
           </a:bodyPr>
           <a:lstStyle/>
           <a:p>
-            <a:pPr lvl="0">
-              <a:lnSpc>
-                <a:spcPct val="107000"/>
-              </a:lnSpc>
-              <a:spcAft>
-                <a:spcPts val="800"/>
-              </a:spcAft>
-            </a:pPr>
-            <a:r>
-              <a:rPr lang="en-US" dirty="0" smtClean="0">
-                <a:latin typeface="Segoe UI" panose="020B0502040204020203" pitchFamily="34" charset="0"/>
-                <a:ea typeface="Calibri" panose="020F0502020204030204" pitchFamily="34" charset="0"/>
-                <a:cs typeface="Times New Roman" panose="02020603050405020304" pitchFamily="18" charset="0"/>
-              </a:rPr>
-              <a:t>Observe the data structure carefully</a:t>
-            </a:r>
-            <a:endParaRPr lang="en-US" sz="1400" dirty="0">
-              <a:effectLst/>
-              <a:latin typeface="Calibri" panose="020F0502020204030204" pitchFamily="34" charset="0"/>
-              <a:ea typeface="Calibri" panose="020F0502020204030204" pitchFamily="34" charset="0"/>
-              <a:cs typeface="Times New Roman" panose="02020603050405020304" pitchFamily="18" charset="0"/>
-            </a:endParaRPr>
+            <a:r>
+              <a:rPr lang="fr-FR" sz="2000" dirty="0"/>
+              <a:t>Éditez la requête dans l’éditeur </a:t>
+            </a:r>
+            <a:r>
+              <a:rPr lang="fr-FR" sz="2000" b="1" dirty="0"/>
+              <a:t>Power </a:t>
+            </a:r>
+            <a:r>
+              <a:rPr lang="fr-FR" sz="2000" b="1" dirty="0" err="1" smtClean="0"/>
+              <a:t>Query</a:t>
+            </a:r>
+            <a:endParaRPr lang="en-US" sz="2000" dirty="0"/>
+          </a:p>
+        </p:txBody>
+      </p:sp>
+      <p:sp>
+        <p:nvSpPr>
+          <p:cNvPr id="6" name="Rectangle 5"/>
+          <p:cNvSpPr/>
+          <p:nvPr/>
+        </p:nvSpPr>
+        <p:spPr>
+          <a:xfrm>
+            <a:off x="302509" y="887665"/>
+            <a:ext cx="11715320" cy="400110"/>
+          </a:xfrm>
+          <a:prstGeom prst="rect">
+            <a:avLst/>
+          </a:prstGeom>
+        </p:spPr>
+        <p:txBody>
+          <a:bodyPr wrap="square">
+            <a:spAutoFit/>
+          </a:bodyPr>
+          <a:lstStyle/>
+          <a:p>
+            <a:r>
+              <a:rPr lang="fr-FR" sz="2000" dirty="0"/>
+              <a:t>Note : Ce laboratoire utilise le fichier </a:t>
+            </a:r>
+            <a:r>
+              <a:rPr lang="fr-FR" sz="2000" b="1" dirty="0"/>
+              <a:t>DimStore.csv</a:t>
+            </a:r>
+            <a:r>
+              <a:rPr lang="fr-FR" sz="2000" dirty="0"/>
+              <a:t> situé dans le dossier </a:t>
+            </a:r>
+            <a:r>
+              <a:rPr lang="fr-FR" sz="2000" b="1" dirty="0" smtClean="0"/>
+              <a:t>Transformations Avancées</a:t>
+            </a:r>
+            <a:endParaRPr lang="en-US" sz="2000" b="1" dirty="0"/>
+          </a:p>
+        </p:txBody>
+      </p:sp>
+      <p:sp>
+        <p:nvSpPr>
+          <p:cNvPr id="7" name="Rectangle 6"/>
+          <p:cNvSpPr/>
+          <p:nvPr/>
+        </p:nvSpPr>
+        <p:spPr>
+          <a:xfrm>
+            <a:off x="282894" y="1882033"/>
+            <a:ext cx="4052007" cy="400110"/>
+          </a:xfrm>
+          <a:prstGeom prst="rect">
+            <a:avLst/>
+          </a:prstGeom>
+        </p:spPr>
+        <p:txBody>
+          <a:bodyPr wrap="none">
+            <a:spAutoFit/>
+          </a:bodyPr>
+          <a:lstStyle/>
+          <a:p>
+            <a:r>
+              <a:rPr lang="fr-FR" sz="2000" dirty="0" smtClean="0"/>
+              <a:t>Observez les données attentivement </a:t>
+            </a:r>
+            <a:endParaRPr lang="en-US" sz="2000" dirty="0"/>
           </a:p>
         </p:txBody>
       </p:sp>
       <p:pic>
         <p:nvPicPr>
-          <p:cNvPr id="11" name="Picture 10"/>
+          <p:cNvPr id="3" name="Picture 2"/>
           <p:cNvPicPr>
             <a:picLocks noChangeAspect="1"/>
           </p:cNvPicPr>
@@ -3551,96 +3901,14 @@
         </p:blipFill>
         <p:spPr>
           <a:xfrm>
-            <a:off x="398761" y="2472838"/>
-            <a:ext cx="6439799" cy="2514951"/>
+            <a:off x="441133" y="2514967"/>
+            <a:ext cx="11327869" cy="1960780"/>
           </a:xfrm>
           <a:prstGeom prst="rect">
             <a:avLst/>
           </a:prstGeom>
         </p:spPr>
       </p:pic>
-      <p:sp>
-        <p:nvSpPr>
-          <p:cNvPr id="4" name="Rectangle 3"/>
-          <p:cNvSpPr/>
-          <p:nvPr/>
-        </p:nvSpPr>
-        <p:spPr>
-          <a:xfrm>
-            <a:off x="282895" y="1384849"/>
-            <a:ext cx="4901085" cy="400110"/>
-          </a:xfrm>
-          <a:prstGeom prst="rect">
-            <a:avLst/>
-          </a:prstGeom>
-        </p:spPr>
-        <p:txBody>
-          <a:bodyPr wrap="none">
-            <a:spAutoFit/>
-          </a:bodyPr>
-          <a:lstStyle/>
-          <a:p>
-            <a:r>
-              <a:rPr lang="fr-FR" sz="2000" dirty="0"/>
-              <a:t>Éditez la requête dans l’éditeur </a:t>
-            </a:r>
-            <a:r>
-              <a:rPr lang="fr-FR" sz="2000" b="1" dirty="0"/>
-              <a:t>Power </a:t>
-            </a:r>
-            <a:r>
-              <a:rPr lang="fr-FR" sz="2000" b="1" dirty="0" err="1" smtClean="0"/>
-              <a:t>Query</a:t>
-            </a:r>
-            <a:endParaRPr lang="en-US" sz="2000" dirty="0"/>
-          </a:p>
-        </p:txBody>
-      </p:sp>
-      <p:sp>
-        <p:nvSpPr>
-          <p:cNvPr id="6" name="Rectangle 5"/>
-          <p:cNvSpPr/>
-          <p:nvPr/>
-        </p:nvSpPr>
-        <p:spPr>
-          <a:xfrm>
-            <a:off x="302509" y="887665"/>
-            <a:ext cx="11715320" cy="400110"/>
-          </a:xfrm>
-          <a:prstGeom prst="rect">
-            <a:avLst/>
-          </a:prstGeom>
-        </p:spPr>
-        <p:txBody>
-          <a:bodyPr wrap="square">
-            <a:spAutoFit/>
-          </a:bodyPr>
-          <a:lstStyle/>
-          <a:p>
-            <a:r>
-              <a:rPr lang="fr-FR" sz="2000" dirty="0"/>
-              <a:t>Note : Ce laboratoire utilise le fichier </a:t>
-            </a:r>
-            <a:r>
-              <a:rPr lang="fr-FR" sz="2000" b="1" dirty="0"/>
-              <a:t>DimStore.csv</a:t>
-            </a:r>
-            <a:r>
-              <a:rPr lang="fr-FR" sz="2000" dirty="0"/>
-              <a:t> situé dans le dossier </a:t>
-            </a:r>
-            <a:r>
-              <a:rPr lang="fr-FR" sz="2000" b="1" dirty="0" err="1"/>
-              <a:t>resources</a:t>
-            </a:r>
-            <a:r>
-              <a:rPr lang="fr-FR" sz="2000" b="1" dirty="0"/>
-              <a:t>\Advanced Transformations</a:t>
-            </a:r>
-            <a:endParaRPr lang="en-US" sz="2000" b="1" dirty="0"/>
-          </a:p>
-        </p:txBody>
-      </p:sp>
     </p:spTree>
     <p:extLst>
       <p:ext uri="{BB962C8B-B14F-4D97-AF65-F5344CB8AC3E}">
@@ -3723,7 +3991,7 @@
         </p:blipFill>
         <p:spPr>
           <a:xfrm>
-            <a:off x="620283" y="2829354"/>
+            <a:off x="386526" y="1280575"/>
             <a:ext cx="8545118" cy="2410161"/>
           </a:xfrm>
           <a:prstGeom prst="rect">
@@ -3739,7 +4007,7 @@
         </p:nvSpPr>
         <p:spPr>
           <a:xfrm>
-            <a:off x="1120654" y="3073627"/>
+            <a:off x="886897" y="1524848"/>
             <a:ext cx="536265" cy="213131"/>
           </a:xfrm>
           <a:prstGeom prst="rect">
@@ -3787,7 +4055,7 @@
         </p:nvSpPr>
         <p:spPr>
           <a:xfrm>
-            <a:off x="7330095" y="3290482"/>
+            <a:off x="7096338" y="1741703"/>
             <a:ext cx="536265" cy="663169"/>
           </a:xfrm>
           <a:prstGeom prst="rect">
@@ -3835,7 +4103,7 @@
         </p:nvSpPr>
         <p:spPr>
           <a:xfrm>
-            <a:off x="7399993" y="3953651"/>
+            <a:off x="7166236" y="2404872"/>
             <a:ext cx="1765408" cy="233757"/>
           </a:xfrm>
           <a:prstGeom prst="rect">
@@ -3877,14 +4145,14 @@
       </p:sp>
       <p:sp>
         <p:nvSpPr>
-          <p:cNvPr id="3" name="Rectangle 2"/>
+          <p:cNvPr id="6" name="Rectangle 5"/>
           <p:cNvSpPr/>
           <p:nvPr/>
         </p:nvSpPr>
         <p:spPr>
           <a:xfrm>
-            <a:off x="515640" y="2224941"/>
-            <a:ext cx="6289029" cy="400110"/>
+            <a:off x="302509" y="764173"/>
+            <a:ext cx="3102452" cy="400110"/>
           </a:xfrm>
           <a:prstGeom prst="rect">
             <a:avLst/>
@@ -3897,153 +4165,10 @@
           <a:lstStyle/>
           <a:p>
             <a:r>
-              <a:rPr lang="fr-FR" sz="2000" dirty="0"/>
-              <a:t>Définissez la première ligne comme en-têtes de colonnes.</a:t>
-            </a:r>
-            <a:endParaRPr lang="en-US" sz="2000" dirty="0"/>
-          </a:p>
-        </p:txBody>
-      </p:sp>
-      <p:sp>
-        <p:nvSpPr>
-          <p:cNvPr id="4" name="Rectangle 3"/>
-          <p:cNvSpPr/>
-          <p:nvPr/>
-        </p:nvSpPr>
-        <p:spPr>
-          <a:xfrm>
-            <a:off x="515640" y="1734227"/>
-            <a:ext cx="6456319" cy="400110"/>
-          </a:xfrm>
-          <a:prstGeom prst="rect">
-            <a:avLst/>
-          </a:prstGeom>
-        </p:spPr>
-        <p:txBody>
-          <a:bodyPr wrap="none">
-            <a:spAutoFit/>
-          </a:bodyPr>
-          <a:lstStyle/>
-          <a:p>
-            <a:r>
-              <a:rPr lang="fr-FR" sz="2000" dirty="0"/>
-              <a:t>Sélectionnez </a:t>
-            </a:r>
-            <a:r>
-              <a:rPr lang="fr-FR" sz="2000" b="1" dirty="0"/>
-              <a:t>l’onglet Transformer</a:t>
-            </a:r>
-            <a:r>
-              <a:rPr lang="fr-FR" sz="2000" dirty="0"/>
-              <a:t> et cliquez sur </a:t>
-            </a:r>
-            <a:r>
-              <a:rPr lang="fr-FR" sz="2000" b="1" dirty="0"/>
-              <a:t>Transposer</a:t>
-            </a:r>
-            <a:r>
-              <a:rPr lang="fr-FR" sz="2000" dirty="0"/>
-              <a:t>.</a:t>
-            </a:r>
-            <a:endParaRPr lang="en-US" sz="2000" dirty="0"/>
-          </a:p>
-        </p:txBody>
-      </p:sp>
-      <p:sp>
-        <p:nvSpPr>
-          <p:cNvPr id="5" name="Rectangle 4"/>
-          <p:cNvSpPr/>
-          <p:nvPr/>
-        </p:nvSpPr>
-        <p:spPr>
-          <a:xfrm>
-            <a:off x="515640" y="1266144"/>
-            <a:ext cx="10200488" cy="400110"/>
-          </a:xfrm>
-          <a:prstGeom prst="rect">
-            <a:avLst/>
-          </a:prstGeom>
-        </p:spPr>
-        <p:txBody>
-          <a:bodyPr wrap="square">
-            <a:spAutoFit/>
-          </a:bodyPr>
-          <a:lstStyle/>
-          <a:p>
-            <a:r>
-              <a:rPr lang="fr-FR" sz="2000" dirty="0"/>
-              <a:t>Remarquez que dans la colonne </a:t>
-            </a:r>
-            <a:r>
-              <a:rPr lang="fr-FR" sz="2000" b="1" dirty="0"/>
-              <a:t>Column1</a:t>
-            </a:r>
-            <a:r>
-              <a:rPr lang="fr-FR" sz="2000" dirty="0"/>
-              <a:t>, les valeurs sont </a:t>
-            </a:r>
-            <a:r>
-              <a:rPr lang="fr-FR" sz="2000" b="1" dirty="0" err="1"/>
-              <a:t>Town</a:t>
-            </a:r>
-            <a:r>
-              <a:rPr lang="fr-FR" sz="2000" dirty="0"/>
-              <a:t>, </a:t>
-            </a:r>
-            <a:r>
-              <a:rPr lang="fr-FR" sz="2000" b="1" dirty="0"/>
-              <a:t>Latitude</a:t>
-            </a:r>
-            <a:r>
-              <a:rPr lang="fr-FR" sz="2000" dirty="0"/>
-              <a:t>, </a:t>
-            </a:r>
-            <a:r>
-              <a:rPr lang="fr-FR" sz="2000" b="1" dirty="0"/>
-              <a:t>Longitude</a:t>
-            </a:r>
-            <a:r>
-              <a:rPr lang="fr-FR" sz="2000" dirty="0"/>
-              <a:t>.</a:t>
-            </a:r>
-            <a:endParaRPr lang="en-US" sz="2000" dirty="0"/>
-          </a:p>
-        </p:txBody>
-      </p:sp>
-      <p:sp>
-        <p:nvSpPr>
-          <p:cNvPr id="6" name="Rectangle 5"/>
-          <p:cNvSpPr/>
-          <p:nvPr/>
-        </p:nvSpPr>
-        <p:spPr>
-          <a:xfrm>
-            <a:off x="515640" y="856052"/>
-            <a:ext cx="3102452" cy="400110"/>
-          </a:xfrm>
-          <a:prstGeom prst="rect">
-            <a:avLst/>
-          </a:prstGeom>
-        </p:spPr>
-        <p:txBody>
-          <a:bodyPr wrap="none">
-            <a:spAutoFit/>
-          </a:bodyPr>
-          <a:lstStyle/>
-          <a:p>
-            <a:r>
-              <a:rPr lang="en-US" sz="2000" dirty="0" err="1"/>
-              <a:t>Supprimez</a:t>
-            </a:r>
-            <a:r>
-              <a:rPr lang="en-US" sz="2000" dirty="0"/>
-              <a:t> la première </a:t>
-            </a:r>
-            <a:r>
-              <a:rPr lang="en-US" sz="2000" dirty="0" err="1"/>
-              <a:t>ligne</a:t>
-            </a:r>
-            <a:endParaRPr lang="en-US" sz="2000" dirty="0"/>
+              <a:rPr lang="fr-FR" sz="2000" dirty="0" smtClean="0"/>
+              <a:t>Supprimez la première ligne</a:t>
+            </a:r>
+            <a:endParaRPr lang="fr-FR" sz="2000" dirty="0"/>
           </a:p>
         </p:txBody>
       </p:sp>
@@ -4129,7 +4254,7 @@
         </p:blipFill>
         <p:spPr>
           <a:xfrm>
-            <a:off x="487348" y="1288303"/>
+            <a:off x="487348" y="1164738"/>
             <a:ext cx="5207393" cy="4829818"/>
           </a:xfrm>
           <a:prstGeom prst="rect">
@@ -4145,7 +4270,7 @@
         </p:nvSpPr>
         <p:spPr>
           <a:xfrm>
-            <a:off x="1430037" y="1386399"/>
+            <a:off x="1430037" y="1262834"/>
             <a:ext cx="536265" cy="213131"/>
           </a:xfrm>
           <a:prstGeom prst="rect">
@@ -4193,7 +4318,7 @@
         </p:nvSpPr>
         <p:spPr>
           <a:xfrm>
-            <a:off x="1430036" y="1599530"/>
+            <a:off x="1430036" y="1475965"/>
             <a:ext cx="864237" cy="270521"/>
           </a:xfrm>
           <a:prstGeom prst="rect">
@@ -4269,6 +4394,67 @@
             <a:r>
               <a:rPr lang="fr-FR" sz="2000" b="1" dirty="0"/>
               <a:t>Transposer</a:t>
+            </a:r>
+            <a:r>
+              <a:rPr lang="fr-FR" sz="2000" dirty="0"/>
+              <a:t>.</a:t>
+            </a:r>
+            <a:endParaRPr lang="en-US" sz="2000" dirty="0"/>
+          </a:p>
+        </p:txBody>
+      </p:sp>
+      <p:sp>
+        <p:nvSpPr>
+          <p:cNvPr id="9" name="Rectangle 8"/>
+          <p:cNvSpPr/>
+          <p:nvPr/>
+        </p:nvSpPr>
+        <p:spPr>
+          <a:xfrm>
+            <a:off x="394177" y="6207687"/>
+            <a:ext cx="9570262" cy="400110"/>
+          </a:xfrm>
+          <a:prstGeom prst="rect">
+            <a:avLst/>
+          </a:prstGeom>
+        </p:spPr>
+        <p:txBody>
+          <a:bodyPr wrap="square">
+            <a:spAutoFit/>
+          </a:bodyPr>
+          <a:lstStyle/>
+          <a:p>
+            <a:r>
+              <a:rPr lang="fr-FR" sz="2000" dirty="0"/>
+              <a:t>Remarquez que dans la colonne </a:t>
+            </a:r>
+            <a:r>
+              <a:rPr lang="fr-FR" sz="2000" b="1" dirty="0"/>
+              <a:t>Column1</a:t>
+            </a:r>
+            <a:r>
+              <a:rPr lang="fr-FR" sz="2000" dirty="0"/>
+              <a:t>, les valeurs sont </a:t>
+            </a:r>
+            <a:r>
+              <a:rPr lang="fr-FR" sz="2000" b="1" dirty="0" err="1"/>
+              <a:t>Town</a:t>
+            </a:r>
+            <a:r>
+              <a:rPr lang="fr-FR" sz="2000" dirty="0"/>
+              <a:t>, </a:t>
+            </a:r>
+            <a:r>
+              <a:rPr lang="fr-FR" sz="2000" b="1" dirty="0"/>
+              <a:t>Latitude</a:t>
+            </a:r>
+            <a:r>
+              <a:rPr lang="fr-FR" sz="2000" dirty="0"/>
+              <a:t>, </a:t>
+            </a:r>
+            <a:r>
+              <a:rPr lang="fr-FR" sz="2000" b="1" dirty="0"/>
+              <a:t>Longitude</a:t>
             </a:r>
             <a:r>
               <a:rPr lang="fr-FR" sz="2000" dirty="0"/>
@@ -4509,14 +4695,6 @@
 <file path=ppt/slides/slide6.xml><?xml version="1.0" encoding="utf-8"?>
 <p:sld xmlns:a="http://schemas.openxmlformats.org/drawingml/2006/main" xmlns:r="http://schemas.openxmlformats.org/officeDocument/2006/relationships" xmlns:p="http://schemas.openxmlformats.org/presentationml/2006/main">
   <p:cSld>
-    <p:bg>
-      <p:bgPr>
-        <a:solidFill>
-          <a:srgbClr val="FFC000"/>
-        </a:solidFill>
-        <a:effectLst/>
-      </p:bgPr>
-    </p:bg>
     <p:spTree>
       <p:nvGrpSpPr>
         <p:cNvPr id="1" name=""/>
@@ -4533,53 +4711,999 @@
       </p:grpSpPr>
       <p:sp>
         <p:nvSpPr>
-          <p:cNvPr id="2" name="AutoShape 2" descr="Minimalistic illustration in black and white on a white background with the text 'Thank You' elegantly styled below. The design features simple, clean icons such as a handshake or a ribbon to symbolize gratitude, with a professional and modern aesthetic suitable for a presentation closing slide."/>
-          <p:cNvSpPr>
-            <a:spLocks noChangeAspect="1" noChangeArrowheads="1"/>
-          </p:cNvSpPr>
+          <p:cNvPr id="2" name="TextBox 1"/>
+          <p:cNvSpPr txBox="1"/>
           <p:nvPr/>
         </p:nvSpPr>
-        <p:spPr bwMode="auto">
-          <a:xfrm>
-            <a:off x="155575" y="-144463"/>
-            <a:ext cx="304800" cy="304801"/>
+        <p:spPr>
+          <a:xfrm>
+            <a:off x="302509" y="302508"/>
+            <a:ext cx="1991764" cy="461665"/>
           </a:xfrm>
           <a:prstGeom prst="rect">
             <a:avLst/>
           </a:prstGeom>
           <a:noFill/>
+        </p:spPr>
+        <p:txBody>
+          <a:bodyPr wrap="none" rtlCol="0">
+            <a:spAutoFit/>
+          </a:bodyPr>
+          <a:lstStyle/>
+          <a:p>
+            <a:r>
+              <a:rPr lang="fr-FR" sz="2400" dirty="0" smtClean="0">
+                <a:latin typeface="Segoe UI" panose="020B0502040204020203" pitchFamily="34" charset="0"/>
+                <a:cs typeface="Segoe UI" panose="020B0502040204020203" pitchFamily="34" charset="0"/>
+              </a:rPr>
+              <a:t>Transposition</a:t>
+            </a:r>
+            <a:endParaRPr lang="en-US" sz="2400" dirty="0">
+              <a:latin typeface="Segoe UI" panose="020B0502040204020203" pitchFamily="34" charset="0"/>
+              <a:cs typeface="Segoe UI" panose="020B0502040204020203" pitchFamily="34" charset="0"/>
+            </a:endParaRPr>
+          </a:p>
+        </p:txBody>
+      </p:sp>
+      <p:sp>
+        <p:nvSpPr>
+          <p:cNvPr id="3" name="Rectangle 2"/>
+          <p:cNvSpPr/>
+          <p:nvPr/>
+        </p:nvSpPr>
+        <p:spPr>
+          <a:xfrm>
+            <a:off x="374169" y="810564"/>
+            <a:ext cx="3446969" cy="400110"/>
+          </a:xfrm>
+          <a:prstGeom prst="rect">
+            <a:avLst/>
+          </a:prstGeom>
+        </p:spPr>
+        <p:txBody>
+          <a:bodyPr wrap="none">
+            <a:spAutoFit/>
+          </a:bodyPr>
+          <a:lstStyle/>
+          <a:p>
+            <a:r>
+              <a:rPr lang="fr-FR" sz="2000" dirty="0" smtClean="0"/>
+              <a:t>Supprimez les colonnes inutiles</a:t>
+            </a:r>
+            <a:endParaRPr lang="en-US" sz="2000" dirty="0"/>
+          </a:p>
+        </p:txBody>
+      </p:sp>
+      <p:pic>
+        <p:nvPicPr>
+          <p:cNvPr id="5" name="Picture 4"/>
+          <p:cNvPicPr>
+            <a:picLocks noChangeAspect="1"/>
+          </p:cNvPicPr>
+          <p:nvPr/>
+        </p:nvPicPr>
+        <p:blipFill>
+          <a:blip r:embed="rId2"/>
+          <a:stretch>
+            <a:fillRect/>
+          </a:stretch>
+        </p:blipFill>
+        <p:spPr>
+          <a:xfrm>
+            <a:off x="550542" y="1379088"/>
+            <a:ext cx="8354591" cy="4553585"/>
+          </a:xfrm>
+          <a:prstGeom prst="rect">
+            <a:avLst/>
+          </a:prstGeom>
+        </p:spPr>
+      </p:pic>
+      <p:sp>
+        <p:nvSpPr>
+          <p:cNvPr id="8" name="Rectangle 7"/>
+          <p:cNvSpPr/>
+          <p:nvPr/>
+        </p:nvSpPr>
+        <p:spPr>
+          <a:xfrm>
+            <a:off x="1643167" y="1430038"/>
+            <a:ext cx="7261966" cy="240195"/>
+          </a:xfrm>
+          <a:prstGeom prst="rect">
+            <a:avLst/>
+          </a:prstGeom>
+          <a:solidFill>
+            <a:srgbClr val="FF0000">
+              <a:alpha val="26000"/>
+            </a:srgbClr>
+          </a:solidFill>
+          <a:ln>
+            <a:noFill/>
+          </a:ln>
+        </p:spPr>
+        <p:style>
+          <a:lnRef idx="2">
+            <a:schemeClr val="accent1">
+              <a:shade val="50000"/>
+            </a:schemeClr>
+          </a:lnRef>
+          <a:fillRef idx="1">
+            <a:schemeClr val="accent1"/>
+          </a:fillRef>
+          <a:effectRef idx="0">
+            <a:schemeClr val="accent1"/>
+          </a:effectRef>
+          <a:fontRef idx="minor">
+            <a:schemeClr val="lt1"/>
+          </a:fontRef>
+        </p:style>
+        <p:txBody>
+          <a:bodyPr rtlCol="0" anchor="ctr"/>
+          <a:lstStyle/>
+          <a:p>
+            <a:pPr algn="ctr"/>
+            <a:endParaRPr lang="en-US"/>
+          </a:p>
+        </p:txBody>
+      </p:sp>
+    </p:spTree>
+    <p:extLst>
+      <p:ext uri="{BB962C8B-B14F-4D97-AF65-F5344CB8AC3E}">
+        <p14:creationId xmlns:p14="http://schemas.microsoft.com/office/powerpoint/2010/main" val="4037605017"/>
+      </p:ext>
+    </p:extLst>
+  </p:cSld>
+  <p:clrMapOvr>
+    <a:masterClrMapping/>
+  </p:clrMapOvr>
+</p:sld>
+</file>
+
+<file path=ppt/slides/slide7.xml><?xml version="1.0" encoding="utf-8"?>
+<p:sld xmlns:a="http://schemas.openxmlformats.org/drawingml/2006/main" xmlns:r="http://schemas.openxmlformats.org/officeDocument/2006/relationships" xmlns:p="http://schemas.openxmlformats.org/presentationml/2006/main">
+  <p:cSld>
+    <p:spTree>
+      <p:nvGrpSpPr>
+        <p:cNvPr id="1" name=""/>
+        <p:cNvGrpSpPr/>
+        <p:nvPr/>
+      </p:nvGrpSpPr>
+      <p:grpSpPr>
+        <a:xfrm>
+          <a:off x="0" y="0"/>
+          <a:ext cx="0" cy="0"/>
+          <a:chOff x="0" y="0"/>
+          <a:chExt cx="0" cy="0"/>
+        </a:xfrm>
+      </p:grpSpPr>
+      <p:sp>
+        <p:nvSpPr>
+          <p:cNvPr id="2" name="TextBox 1"/>
+          <p:cNvSpPr txBox="1"/>
+          <p:nvPr/>
+        </p:nvSpPr>
+        <p:spPr>
+          <a:xfrm>
+            <a:off x="302509" y="302508"/>
+            <a:ext cx="1991764" cy="461665"/>
+          </a:xfrm>
+          <a:prstGeom prst="rect">
+            <a:avLst/>
+          </a:prstGeom>
+          <a:noFill/>
+        </p:spPr>
+        <p:txBody>
+          <a:bodyPr wrap="none" rtlCol="0">
+            <a:spAutoFit/>
+          </a:bodyPr>
+          <a:lstStyle/>
+          <a:p>
+            <a:r>
+              <a:rPr lang="fr-FR" sz="2400" dirty="0" smtClean="0">
+                <a:latin typeface="Segoe UI" panose="020B0502040204020203" pitchFamily="34" charset="0"/>
+                <a:cs typeface="Segoe UI" panose="020B0502040204020203" pitchFamily="34" charset="0"/>
+              </a:rPr>
+              <a:t>Transposition</a:t>
+            </a:r>
+            <a:endParaRPr lang="en-US" sz="2400" dirty="0">
+              <a:latin typeface="Segoe UI" panose="020B0502040204020203" pitchFamily="34" charset="0"/>
+              <a:cs typeface="Segoe UI" panose="020B0502040204020203" pitchFamily="34" charset="0"/>
+            </a:endParaRPr>
+          </a:p>
+        </p:txBody>
+      </p:sp>
+      <p:sp>
+        <p:nvSpPr>
+          <p:cNvPr id="3" name="Rectangle 2"/>
+          <p:cNvSpPr/>
+          <p:nvPr/>
+        </p:nvSpPr>
+        <p:spPr>
+          <a:xfrm>
+            <a:off x="374169" y="810564"/>
+            <a:ext cx="8919558" cy="400110"/>
+          </a:xfrm>
+          <a:prstGeom prst="rect">
+            <a:avLst/>
+          </a:prstGeom>
+        </p:spPr>
+        <p:txBody>
+          <a:bodyPr wrap="none">
+            <a:spAutoFit/>
+          </a:bodyPr>
+          <a:lstStyle/>
+          <a:p>
+            <a:r>
+              <a:rPr lang="fr-FR" sz="2000" dirty="0" smtClean="0"/>
+              <a:t>Remplacez le séparateur décimal « . » par « , » pour préparer au transtypage correct </a:t>
+            </a:r>
+            <a:endParaRPr lang="en-US" sz="2000" dirty="0"/>
+          </a:p>
+        </p:txBody>
+      </p:sp>
+      <p:sp>
+        <p:nvSpPr>
+          <p:cNvPr id="4" name="Rectangle 1"/>
+          <p:cNvSpPr>
+            <a:spLocks noChangeArrowheads="1"/>
+          </p:cNvSpPr>
+          <p:nvPr/>
+        </p:nvSpPr>
+        <p:spPr bwMode="auto">
+          <a:xfrm>
+            <a:off x="449796" y="1402439"/>
+            <a:ext cx="5865708" cy="1477328"/>
+          </a:xfrm>
+          <a:prstGeom prst="rect">
+            <a:avLst/>
+          </a:prstGeom>
+          <a:noFill/>
+          <a:ln>
+            <a:noFill/>
+          </a:ln>
+          <a:effectLst/>
           <a:extLst>
             <a:ext uri="{909E8E84-426E-40DD-AFC4-6F175D3DCCD1}">
               <a14:hiddenFill xmlns:a14="http://schemas.microsoft.com/office/drawing/2010/main">
                 <a:solidFill>
-                  <a:srgbClr val="FFFFFF"/>
+                  <a:schemeClr val="accent1"/>
                 </a:solidFill>
               </a14:hiddenFill>
             </a:ext>
+            <a:ext uri="{91240B29-F687-4F45-9708-019B960494DF}">
+              <a14:hiddenLine xmlns:a14="http://schemas.microsoft.com/office/drawing/2010/main" w="9525">
+                <a:solidFill>
+                  <a:schemeClr val="tx1"/>
+                </a:solidFill>
+                <a:miter lim="800000"/>
+                <a:headEnd/>
+                <a:tailEnd/>
+              </a14:hiddenLine>
+            </a:ext>
+            <a:ext uri="{AF507438-7753-43E0-B8FC-AC1667EBCBE1}">
+              <a14:hiddenEffects xmlns:a14="http://schemas.microsoft.com/office/drawing/2010/main">
+                <a:effectLst>
+                  <a:outerShdw dist="35921" dir="2700000" algn="ctr" rotWithShape="0">
+                    <a:schemeClr val="bg2"/>
+                  </a:outerShdw>
+                </a:effectLst>
+              </a14:hiddenEffects>
+            </a:ext>
           </a:extLst>
         </p:spPr>
         <p:txBody>
-          <a:bodyPr vert="horz" wrap="square" lIns="91440" tIns="45720" rIns="91440" bIns="45720" numCol="1" anchor="t" anchorCtr="0" compatLnSpc="1">
+          <a:bodyPr vert="horz" wrap="none" lIns="91440" tIns="45720" rIns="91440" bIns="45720" numCol="1" anchor="ctr" anchorCtr="0" compatLnSpc="1">
             <a:prstTxWarp prst="textNoShape">
               <a:avLst/>
             </a:prstTxWarp>
+            <a:spAutoFit/>
           </a:bodyPr>
           <a:lstStyle/>
           <a:p>
-            <a:endParaRPr lang="en-US"/>
-          </a:p>
-        </p:txBody>
-      </p:sp>
-      <p:sp>
-        <p:nvSpPr>
-          <p:cNvPr id="7" name="TextBox 6"/>
+            <a:pPr marL="0" marR="0" lvl="0" indent="0" algn="l" defTabSz="914400" rtl="0" eaLnBrk="0" fontAlgn="base" latinLnBrk="0" hangingPunct="0">
+              <a:lnSpc>
+                <a:spcPct val="100000"/>
+              </a:lnSpc>
+              <a:spcBef>
+                <a:spcPct val="0"/>
+              </a:spcBef>
+              <a:spcAft>
+                <a:spcPct val="0"/>
+              </a:spcAft>
+              <a:buClrTx/>
+              <a:buSzTx/>
+              <a:buFontTx/>
+              <a:buAutoNum type="arabicPeriod"/>
+              <a:tabLst/>
+            </a:pPr>
+            <a:r>
+              <a:rPr kumimoji="0" lang="en-US" altLang="en-US" b="0" i="0" u="none" strike="noStrike" cap="none" normalizeH="0" baseline="0" dirty="0" err="1" smtClean="0">
+                <a:ln>
+                  <a:noFill/>
+                </a:ln>
+                <a:solidFill>
+                  <a:schemeClr val="tx1"/>
+                </a:solidFill>
+                <a:effectLst/>
+                <a:latin typeface="Arial" panose="020B0604020202020204" pitchFamily="34" charset="0"/>
+              </a:rPr>
+              <a:t>Sélectionnez</a:t>
+            </a:r>
+            <a:r>
+              <a:rPr kumimoji="0" lang="en-US" altLang="en-US" b="0" i="0" u="none" strike="noStrike" cap="none" normalizeH="0" baseline="0" dirty="0" smtClean="0">
+                <a:ln>
+                  <a:noFill/>
+                </a:ln>
+                <a:solidFill>
+                  <a:schemeClr val="tx1"/>
+                </a:solidFill>
+                <a:effectLst/>
+                <a:latin typeface="Arial" panose="020B0604020202020204" pitchFamily="34" charset="0"/>
+              </a:rPr>
+              <a:t> la </a:t>
+            </a:r>
+            <a:r>
+              <a:rPr kumimoji="0" lang="en-US" altLang="en-US" b="0" i="0" u="none" strike="noStrike" cap="none" normalizeH="0" baseline="0" dirty="0" err="1" smtClean="0">
+                <a:ln>
+                  <a:noFill/>
+                </a:ln>
+                <a:solidFill>
+                  <a:schemeClr val="tx1"/>
+                </a:solidFill>
+                <a:effectLst/>
+                <a:latin typeface="Arial" panose="020B0604020202020204" pitchFamily="34" charset="0"/>
+              </a:rPr>
+              <a:t>colonne</a:t>
+            </a:r>
+            <a:r>
+              <a:rPr kumimoji="0" lang="en-US" altLang="en-US" b="0" i="0" u="none" strike="noStrike" cap="none" normalizeH="0" baseline="0" dirty="0" smtClean="0">
+                <a:ln>
+                  <a:noFill/>
+                </a:ln>
+                <a:solidFill>
+                  <a:schemeClr val="tx1"/>
+                </a:solidFill>
+                <a:effectLst/>
+                <a:latin typeface="Arial" panose="020B0604020202020204" pitchFamily="34" charset="0"/>
+              </a:rPr>
+              <a:t> </a:t>
+            </a:r>
+            <a:r>
+              <a:rPr kumimoji="0" lang="en-US" altLang="en-US" b="1" i="0" u="none" strike="noStrike" cap="none" normalizeH="0" baseline="0" dirty="0" smtClean="0">
+                <a:ln>
+                  <a:noFill/>
+                </a:ln>
+                <a:solidFill>
+                  <a:schemeClr val="tx1"/>
+                </a:solidFill>
+                <a:effectLst/>
+                <a:latin typeface="Arial" panose="020B0604020202020204" pitchFamily="34" charset="0"/>
+              </a:rPr>
+              <a:t>Longitude</a:t>
+            </a:r>
+            <a:r>
+              <a:rPr kumimoji="0" lang="en-US" altLang="en-US" b="0" i="0" u="none" strike="noStrike" cap="none" normalizeH="0" baseline="0" dirty="0" smtClean="0">
+                <a:ln>
+                  <a:noFill/>
+                </a:ln>
+                <a:solidFill>
+                  <a:schemeClr val="tx1"/>
+                </a:solidFill>
+                <a:effectLst/>
+                <a:latin typeface="Arial" panose="020B0604020202020204" pitchFamily="34" charset="0"/>
+              </a:rPr>
+              <a:t>.</a:t>
+            </a:r>
+          </a:p>
+          <a:p>
+            <a:pPr marL="0" marR="0" lvl="0" indent="0" algn="l" defTabSz="914400" rtl="0" eaLnBrk="0" fontAlgn="base" latinLnBrk="0" hangingPunct="0">
+              <a:lnSpc>
+                <a:spcPct val="100000"/>
+              </a:lnSpc>
+              <a:spcBef>
+                <a:spcPct val="0"/>
+              </a:spcBef>
+              <a:spcAft>
+                <a:spcPct val="0"/>
+              </a:spcAft>
+              <a:buClrTx/>
+              <a:buSzTx/>
+              <a:buFontTx/>
+              <a:buAutoNum type="arabicPeriod" startAt="2"/>
+              <a:tabLst/>
+            </a:pPr>
+            <a:r>
+              <a:rPr lang="en-US" altLang="en-US" dirty="0" err="1" smtClean="0">
+                <a:latin typeface="Arial" panose="020B0604020202020204" pitchFamily="34" charset="0"/>
+              </a:rPr>
+              <a:t>Allez</a:t>
+            </a:r>
+            <a:r>
+              <a:rPr kumimoji="0" lang="en-US" altLang="en-US" b="0" i="0" u="none" strike="noStrike" cap="none" normalizeH="0" baseline="0" dirty="0" smtClean="0">
+                <a:ln>
+                  <a:noFill/>
+                </a:ln>
+                <a:solidFill>
+                  <a:schemeClr val="tx1"/>
+                </a:solidFill>
+                <a:effectLst/>
+                <a:latin typeface="Arial" panose="020B0604020202020204" pitchFamily="34" charset="0"/>
+              </a:rPr>
+              <a:t> </a:t>
+            </a:r>
+            <a:r>
+              <a:rPr kumimoji="0" lang="en-US" altLang="en-US" b="0" i="0" u="none" strike="noStrike" cap="none" normalizeH="0" baseline="0" dirty="0" err="1" smtClean="0">
+                <a:ln>
+                  <a:noFill/>
+                </a:ln>
+                <a:solidFill>
+                  <a:schemeClr val="tx1"/>
+                </a:solidFill>
+                <a:effectLst/>
+                <a:latin typeface="Arial" panose="020B0604020202020204" pitchFamily="34" charset="0"/>
+              </a:rPr>
+              <a:t>dans</a:t>
+            </a:r>
+            <a:r>
+              <a:rPr kumimoji="0" lang="en-US" altLang="en-US" b="0" i="0" u="none" strike="noStrike" cap="none" normalizeH="0" baseline="0" dirty="0" smtClean="0">
+                <a:ln>
+                  <a:noFill/>
+                </a:ln>
+                <a:solidFill>
+                  <a:schemeClr val="tx1"/>
+                </a:solidFill>
+                <a:effectLst/>
+                <a:latin typeface="Arial" panose="020B0604020202020204" pitchFamily="34" charset="0"/>
+              </a:rPr>
+              <a:t> </a:t>
+            </a:r>
+            <a:r>
+              <a:rPr kumimoji="0" lang="en-US" altLang="en-US" b="1" i="0" u="none" strike="noStrike" cap="none" normalizeH="0" baseline="0" dirty="0" smtClean="0">
+                <a:ln>
+                  <a:noFill/>
+                </a:ln>
+                <a:solidFill>
+                  <a:schemeClr val="tx1"/>
+                </a:solidFill>
+                <a:effectLst/>
+                <a:latin typeface="Arial" panose="020B0604020202020204" pitchFamily="34" charset="0"/>
+              </a:rPr>
+              <a:t>Transformer</a:t>
+            </a:r>
+            <a:r>
+              <a:rPr kumimoji="0" lang="en-US" altLang="en-US" b="0" i="0" u="none" strike="noStrike" cap="none" normalizeH="0" baseline="0" dirty="0" smtClean="0">
+                <a:ln>
+                  <a:noFill/>
+                </a:ln>
+                <a:solidFill>
+                  <a:schemeClr val="tx1"/>
+                </a:solidFill>
+                <a:effectLst/>
+                <a:latin typeface="Arial" panose="020B0604020202020204" pitchFamily="34" charset="0"/>
+              </a:rPr>
+              <a:t> → </a:t>
+            </a:r>
+            <a:r>
+              <a:rPr kumimoji="0" lang="en-US" altLang="en-US" b="1" i="0" u="none" strike="noStrike" cap="none" normalizeH="0" baseline="0" dirty="0" err="1" smtClean="0">
+                <a:ln>
+                  <a:noFill/>
+                </a:ln>
+                <a:solidFill>
+                  <a:schemeClr val="tx1"/>
+                </a:solidFill>
+                <a:effectLst/>
+                <a:latin typeface="Arial" panose="020B0604020202020204" pitchFamily="34" charset="0"/>
+              </a:rPr>
+              <a:t>Remplacer</a:t>
+            </a:r>
+            <a:r>
+              <a:rPr kumimoji="0" lang="en-US" altLang="en-US" b="1" i="0" u="none" strike="noStrike" cap="none" normalizeH="0" baseline="0" dirty="0" smtClean="0">
+                <a:ln>
+                  <a:noFill/>
+                </a:ln>
+                <a:solidFill>
+                  <a:schemeClr val="tx1"/>
+                </a:solidFill>
+                <a:effectLst/>
+                <a:latin typeface="Arial" panose="020B0604020202020204" pitchFamily="34" charset="0"/>
+              </a:rPr>
+              <a:t> les </a:t>
+            </a:r>
+            <a:r>
+              <a:rPr kumimoji="0" lang="en-US" altLang="en-US" b="1" i="0" u="none" strike="noStrike" cap="none" normalizeH="0" baseline="0" dirty="0" err="1" smtClean="0">
+                <a:ln>
+                  <a:noFill/>
+                </a:ln>
+                <a:solidFill>
+                  <a:schemeClr val="tx1"/>
+                </a:solidFill>
+                <a:effectLst/>
+                <a:latin typeface="Arial" panose="020B0604020202020204" pitchFamily="34" charset="0"/>
+              </a:rPr>
+              <a:t>valeurs</a:t>
+            </a:r>
+            <a:r>
+              <a:rPr kumimoji="0" lang="en-US" altLang="en-US" b="0" i="0" u="none" strike="noStrike" cap="none" normalizeH="0" baseline="0" dirty="0" smtClean="0">
+                <a:ln>
+                  <a:noFill/>
+                </a:ln>
+                <a:solidFill>
+                  <a:schemeClr val="tx1"/>
+                </a:solidFill>
+                <a:effectLst/>
+                <a:latin typeface="Arial" panose="020B0604020202020204" pitchFamily="34" charset="0"/>
+              </a:rPr>
+              <a:t>.</a:t>
+            </a:r>
+          </a:p>
+          <a:p>
+            <a:pPr marL="0" marR="0" lvl="0" indent="0" algn="l" defTabSz="914400" rtl="0" eaLnBrk="0" fontAlgn="base" latinLnBrk="0" hangingPunct="0">
+              <a:lnSpc>
+                <a:spcPct val="100000"/>
+              </a:lnSpc>
+              <a:spcBef>
+                <a:spcPct val="0"/>
+              </a:spcBef>
+              <a:spcAft>
+                <a:spcPct val="0"/>
+              </a:spcAft>
+              <a:buClrTx/>
+              <a:buSzTx/>
+              <a:buFontTx/>
+              <a:buAutoNum type="arabicPeriod" startAt="3"/>
+              <a:tabLst/>
+            </a:pPr>
+            <a:r>
+              <a:rPr kumimoji="0" lang="en-US" altLang="en-US" i="0" u="none" strike="noStrike" cap="none" normalizeH="0" baseline="0" dirty="0" err="1" smtClean="0">
+                <a:ln>
+                  <a:noFill/>
+                </a:ln>
+                <a:solidFill>
+                  <a:schemeClr val="tx1"/>
+                </a:solidFill>
+                <a:effectLst/>
+                <a:latin typeface="Arial" panose="020B0604020202020204" pitchFamily="34" charset="0"/>
+              </a:rPr>
+              <a:t>Remplacez</a:t>
+            </a:r>
+            <a:r>
+              <a:rPr kumimoji="0" lang="en-US" altLang="en-US" b="0" i="0" u="none" strike="noStrike" cap="none" normalizeH="0" baseline="0" dirty="0" smtClean="0">
+                <a:ln>
+                  <a:noFill/>
+                </a:ln>
+                <a:solidFill>
+                  <a:schemeClr val="tx1"/>
+                </a:solidFill>
+                <a:effectLst/>
+                <a:latin typeface="Arial" panose="020B0604020202020204" pitchFamily="34" charset="0"/>
+              </a:rPr>
+              <a:t> </a:t>
+            </a:r>
+            <a:r>
+              <a:rPr kumimoji="0" lang="en-US" altLang="en-US" b="0" i="0" u="none" strike="noStrike" cap="none" normalizeH="0" baseline="0" dirty="0" err="1" smtClean="0">
+                <a:ln>
+                  <a:noFill/>
+                </a:ln>
+                <a:solidFill>
+                  <a:schemeClr val="tx1"/>
+                </a:solidFill>
+                <a:effectLst/>
+                <a:latin typeface="Arial" panose="020B0604020202020204" pitchFamily="34" charset="0"/>
+              </a:rPr>
+              <a:t>tous</a:t>
+            </a:r>
+            <a:r>
+              <a:rPr kumimoji="0" lang="en-US" altLang="en-US" b="0" i="0" u="none" strike="noStrike" cap="none" normalizeH="0" baseline="0" dirty="0" smtClean="0">
+                <a:ln>
+                  <a:noFill/>
+                </a:ln>
+                <a:solidFill>
+                  <a:schemeClr val="tx1"/>
+                </a:solidFill>
+                <a:effectLst/>
+                <a:latin typeface="Arial" panose="020B0604020202020204" pitchFamily="34" charset="0"/>
+              </a:rPr>
+              <a:t> les </a:t>
+            </a:r>
+            <a:r>
+              <a:rPr kumimoji="0" lang="en-US" altLang="en-US" b="1" i="0" u="none" strike="noStrike" cap="none" normalizeH="0" baseline="0" dirty="0" smtClean="0">
+                <a:ln>
+                  <a:noFill/>
+                </a:ln>
+                <a:solidFill>
+                  <a:schemeClr val="tx1"/>
+                </a:solidFill>
+                <a:effectLst/>
+                <a:latin typeface="Arial Unicode MS"/>
+              </a:rPr>
+              <a:t>.</a:t>
+            </a:r>
+            <a:r>
+              <a:rPr kumimoji="0" lang="en-US" altLang="en-US" b="0" i="0" u="none" strike="noStrike" cap="none" normalizeH="0" baseline="0" dirty="0" smtClean="0">
+                <a:ln>
+                  <a:noFill/>
+                </a:ln>
+                <a:solidFill>
+                  <a:schemeClr val="tx1"/>
+                </a:solidFill>
+                <a:effectLst/>
+              </a:rPr>
+              <a:t> par </a:t>
+            </a:r>
+            <a:r>
+              <a:rPr kumimoji="0" lang="en-US" altLang="en-US" b="1" i="0" u="none" strike="noStrike" cap="none" normalizeH="0" baseline="0" dirty="0" smtClean="0">
+                <a:ln>
+                  <a:noFill/>
+                </a:ln>
+                <a:solidFill>
+                  <a:schemeClr val="tx1"/>
+                </a:solidFill>
+                <a:effectLst/>
+                <a:latin typeface="Arial Unicode MS"/>
+              </a:rPr>
+              <a:t>,</a:t>
+            </a:r>
+            <a:r>
+              <a:rPr kumimoji="0" lang="en-US" altLang="en-US" b="0" i="0" u="none" strike="noStrike" cap="none" normalizeH="0" baseline="0" dirty="0" smtClean="0">
+                <a:ln>
+                  <a:noFill/>
+                </a:ln>
+                <a:solidFill>
+                  <a:schemeClr val="tx1"/>
+                </a:solidFill>
+                <a:effectLst/>
+              </a:rPr>
+              <a:t>.</a:t>
+            </a:r>
+            <a:endParaRPr kumimoji="0" lang="en-US" altLang="en-US" b="0" i="0" u="none" strike="noStrike" cap="none" normalizeH="0" baseline="0" dirty="0" smtClean="0">
+              <a:ln>
+                <a:noFill/>
+              </a:ln>
+              <a:solidFill>
+                <a:schemeClr val="tx1"/>
+              </a:solidFill>
+              <a:effectLst/>
+              <a:latin typeface="Arial" panose="020B0604020202020204" pitchFamily="34" charset="0"/>
+            </a:endParaRPr>
+          </a:p>
+          <a:p>
+            <a:pPr marL="0" marR="0" lvl="0" indent="0" algn="l" defTabSz="914400" rtl="0" eaLnBrk="0" fontAlgn="base" latinLnBrk="0" hangingPunct="0">
+              <a:lnSpc>
+                <a:spcPct val="100000"/>
+              </a:lnSpc>
+              <a:spcBef>
+                <a:spcPct val="0"/>
+              </a:spcBef>
+              <a:spcAft>
+                <a:spcPct val="0"/>
+              </a:spcAft>
+              <a:buClrTx/>
+              <a:buSzTx/>
+              <a:buFontTx/>
+              <a:buAutoNum type="arabicPeriod" startAt="4"/>
+              <a:tabLst/>
+            </a:pPr>
+            <a:r>
+              <a:rPr kumimoji="0" lang="en-US" altLang="en-US" b="0" i="0" u="none" strike="noStrike" cap="none" normalizeH="0" baseline="0" dirty="0" err="1" smtClean="0">
+                <a:ln>
+                  <a:noFill/>
+                </a:ln>
+                <a:solidFill>
+                  <a:schemeClr val="tx1"/>
+                </a:solidFill>
+                <a:effectLst/>
+                <a:latin typeface="Arial" panose="020B0604020202020204" pitchFamily="34" charset="0"/>
+              </a:rPr>
+              <a:t>Convertisser</a:t>
+            </a:r>
+            <a:r>
+              <a:rPr kumimoji="0" lang="en-US" altLang="en-US" b="0" i="0" u="none" strike="noStrike" cap="none" normalizeH="0" baseline="0" dirty="0" smtClean="0">
+                <a:ln>
+                  <a:noFill/>
+                </a:ln>
+                <a:solidFill>
+                  <a:schemeClr val="tx1"/>
+                </a:solidFill>
+                <a:effectLst/>
+                <a:latin typeface="Arial" panose="020B0604020202020204" pitchFamily="34" charset="0"/>
+              </a:rPr>
+              <a:t> </a:t>
+            </a:r>
+            <a:r>
+              <a:rPr kumimoji="0" lang="en-US" altLang="en-US" b="0" i="0" u="none" strike="noStrike" cap="none" normalizeH="0" baseline="0" dirty="0" err="1" smtClean="0">
+                <a:ln>
+                  <a:noFill/>
+                </a:ln>
+                <a:solidFill>
+                  <a:schemeClr val="tx1"/>
+                </a:solidFill>
+                <a:effectLst/>
+                <a:latin typeface="Arial" panose="020B0604020202020204" pitchFamily="34" charset="0"/>
+              </a:rPr>
+              <a:t>ensuite</a:t>
+            </a:r>
+            <a:r>
+              <a:rPr kumimoji="0" lang="en-US" altLang="en-US" b="0" i="0" u="none" strike="noStrike" cap="none" normalizeH="0" baseline="0" dirty="0" smtClean="0">
+                <a:ln>
+                  <a:noFill/>
+                </a:ln>
+                <a:solidFill>
+                  <a:schemeClr val="tx1"/>
+                </a:solidFill>
+                <a:effectLst/>
+                <a:latin typeface="Arial" panose="020B0604020202020204" pitchFamily="34" charset="0"/>
+              </a:rPr>
+              <a:t> la </a:t>
+            </a:r>
+            <a:r>
+              <a:rPr kumimoji="0" lang="en-US" altLang="en-US" b="0" i="0" u="none" strike="noStrike" cap="none" normalizeH="0" baseline="0" dirty="0" err="1" smtClean="0">
+                <a:ln>
+                  <a:noFill/>
+                </a:ln>
+                <a:solidFill>
+                  <a:schemeClr val="tx1"/>
+                </a:solidFill>
+                <a:effectLst/>
+                <a:latin typeface="Arial" panose="020B0604020202020204" pitchFamily="34" charset="0"/>
+              </a:rPr>
+              <a:t>colonne</a:t>
+            </a:r>
+            <a:r>
+              <a:rPr kumimoji="0" lang="en-US" altLang="en-US" b="0" i="0" u="none" strike="noStrike" cap="none" normalizeH="0" baseline="0" dirty="0" smtClean="0">
+                <a:ln>
+                  <a:noFill/>
+                </a:ln>
+                <a:solidFill>
+                  <a:schemeClr val="tx1"/>
+                </a:solidFill>
+                <a:effectLst/>
+                <a:latin typeface="Arial" panose="020B0604020202020204" pitchFamily="34" charset="0"/>
+              </a:rPr>
+              <a:t> </a:t>
+            </a:r>
+            <a:r>
+              <a:rPr kumimoji="0" lang="en-US" altLang="en-US" b="0" i="0" u="none" strike="noStrike" cap="none" normalizeH="0" baseline="0" dirty="0" err="1" smtClean="0">
+                <a:ln>
+                  <a:noFill/>
+                </a:ln>
+                <a:solidFill>
+                  <a:schemeClr val="tx1"/>
+                </a:solidFill>
+                <a:effectLst/>
+                <a:latin typeface="Arial" panose="020B0604020202020204" pitchFamily="34" charset="0"/>
+              </a:rPr>
+              <a:t>en</a:t>
+            </a:r>
+            <a:r>
+              <a:rPr kumimoji="0" lang="en-US" altLang="en-US" b="0" i="0" u="none" strike="noStrike" cap="none" normalizeH="0" baseline="0" dirty="0" smtClean="0">
+                <a:ln>
+                  <a:noFill/>
+                </a:ln>
+                <a:solidFill>
+                  <a:schemeClr val="tx1"/>
+                </a:solidFill>
+                <a:effectLst/>
+                <a:latin typeface="Arial" panose="020B0604020202020204" pitchFamily="34" charset="0"/>
+              </a:rPr>
+              <a:t> </a:t>
+            </a:r>
+            <a:r>
+              <a:rPr kumimoji="0" lang="en-US" altLang="en-US" b="1" i="0" u="none" strike="noStrike" cap="none" normalizeH="0" baseline="0" dirty="0" smtClean="0">
+                <a:ln>
+                  <a:noFill/>
+                </a:ln>
+                <a:solidFill>
+                  <a:schemeClr val="tx1"/>
+                </a:solidFill>
+                <a:effectLst/>
+                <a:latin typeface="Arial" panose="020B0604020202020204" pitchFamily="34" charset="0"/>
+              </a:rPr>
+              <a:t>Decimal Number</a:t>
+            </a:r>
+            <a:r>
+              <a:rPr kumimoji="0" lang="en-US" altLang="en-US" b="0" i="0" u="none" strike="noStrike" cap="none" normalizeH="0" baseline="0" dirty="0" smtClean="0">
+                <a:ln>
+                  <a:noFill/>
+                </a:ln>
+                <a:solidFill>
+                  <a:schemeClr val="tx1"/>
+                </a:solidFill>
+                <a:effectLst/>
+                <a:latin typeface="Arial" panose="020B0604020202020204" pitchFamily="34" charset="0"/>
+              </a:rPr>
+              <a:t>.</a:t>
+            </a:r>
+          </a:p>
+          <a:p>
+            <a:pPr marL="0" marR="0" lvl="0" indent="0" algn="l" defTabSz="914400" rtl="0" eaLnBrk="0" fontAlgn="base" latinLnBrk="0" hangingPunct="0">
+              <a:lnSpc>
+                <a:spcPct val="100000"/>
+              </a:lnSpc>
+              <a:spcBef>
+                <a:spcPct val="0"/>
+              </a:spcBef>
+              <a:spcAft>
+                <a:spcPct val="0"/>
+              </a:spcAft>
+              <a:buClrTx/>
+              <a:buSzTx/>
+              <a:buFontTx/>
+              <a:buNone/>
+              <a:tabLst/>
+            </a:pPr>
+            <a:endParaRPr kumimoji="0" lang="en-US" altLang="en-US" b="0" i="0" u="none" strike="noStrike" cap="none" normalizeH="0" baseline="0" dirty="0" smtClean="0">
+              <a:ln>
+                <a:noFill/>
+              </a:ln>
+              <a:solidFill>
+                <a:schemeClr val="tx1"/>
+              </a:solidFill>
+              <a:effectLst/>
+              <a:latin typeface="Arial" panose="020B0604020202020204" pitchFamily="34" charset="0"/>
+            </a:endParaRPr>
+          </a:p>
+        </p:txBody>
+      </p:sp>
+      <p:pic>
+        <p:nvPicPr>
+          <p:cNvPr id="6" name="Picture 5"/>
+          <p:cNvPicPr>
+            <a:picLocks noChangeAspect="1"/>
+          </p:cNvPicPr>
+          <p:nvPr/>
+        </p:nvPicPr>
+        <p:blipFill>
+          <a:blip r:embed="rId2"/>
+          <a:stretch>
+            <a:fillRect/>
+          </a:stretch>
+        </p:blipFill>
+        <p:spPr>
+          <a:xfrm>
+            <a:off x="679592" y="2769532"/>
+            <a:ext cx="6858957" cy="2886478"/>
+          </a:xfrm>
+          <a:prstGeom prst="rect">
+            <a:avLst/>
+          </a:prstGeom>
+        </p:spPr>
+      </p:pic>
+      <p:sp>
+        <p:nvSpPr>
+          <p:cNvPr id="9" name="Rectangle 8"/>
+          <p:cNvSpPr/>
+          <p:nvPr/>
+        </p:nvSpPr>
+        <p:spPr>
+          <a:xfrm>
+            <a:off x="3940174" y="3313841"/>
+            <a:ext cx="1023712" cy="226880"/>
+          </a:xfrm>
+          <a:prstGeom prst="rect">
+            <a:avLst/>
+          </a:prstGeom>
+          <a:solidFill>
+            <a:srgbClr val="FF0000">
+              <a:alpha val="26000"/>
+            </a:srgbClr>
+          </a:solidFill>
+          <a:ln>
+            <a:noFill/>
+          </a:ln>
+        </p:spPr>
+        <p:style>
+          <a:lnRef idx="2">
+            <a:schemeClr val="accent1">
+              <a:shade val="50000"/>
+            </a:schemeClr>
+          </a:lnRef>
+          <a:fillRef idx="1">
+            <a:schemeClr val="accent1"/>
+          </a:fillRef>
+          <a:effectRef idx="0">
+            <a:schemeClr val="accent1"/>
+          </a:effectRef>
+          <a:fontRef idx="minor">
+            <a:schemeClr val="lt1"/>
+          </a:fontRef>
+        </p:style>
+        <p:txBody>
+          <a:bodyPr rtlCol="0" anchor="ctr"/>
+          <a:lstStyle/>
+          <a:p>
+            <a:pPr algn="ctr"/>
+            <a:endParaRPr lang="en-US"/>
+          </a:p>
+        </p:txBody>
+      </p:sp>
+      <p:sp>
+        <p:nvSpPr>
+          <p:cNvPr id="10" name="Rectangle 9"/>
+          <p:cNvSpPr/>
+          <p:nvPr/>
+        </p:nvSpPr>
+        <p:spPr>
+          <a:xfrm>
+            <a:off x="3940173" y="3540721"/>
+            <a:ext cx="1264343" cy="199381"/>
+          </a:xfrm>
+          <a:prstGeom prst="rect">
+            <a:avLst/>
+          </a:prstGeom>
+          <a:solidFill>
+            <a:srgbClr val="FF0000">
+              <a:alpha val="26000"/>
+            </a:srgbClr>
+          </a:solidFill>
+          <a:ln>
+            <a:noFill/>
+          </a:ln>
+        </p:spPr>
+        <p:style>
+          <a:lnRef idx="2">
+            <a:schemeClr val="accent1">
+              <a:shade val="50000"/>
+            </a:schemeClr>
+          </a:lnRef>
+          <a:fillRef idx="1">
+            <a:schemeClr val="accent1"/>
+          </a:fillRef>
+          <a:effectRef idx="0">
+            <a:schemeClr val="accent1"/>
+          </a:effectRef>
+          <a:fontRef idx="minor">
+            <a:schemeClr val="lt1"/>
+          </a:fontRef>
+        </p:style>
+        <p:txBody>
+          <a:bodyPr rtlCol="0" anchor="ctr"/>
+          <a:lstStyle/>
+          <a:p>
+            <a:pPr algn="ctr"/>
+            <a:endParaRPr lang="en-US"/>
+          </a:p>
+        </p:txBody>
+      </p:sp>
+    </p:spTree>
+    <p:extLst>
+      <p:ext uri="{BB962C8B-B14F-4D97-AF65-F5344CB8AC3E}">
+        <p14:creationId xmlns:p14="http://schemas.microsoft.com/office/powerpoint/2010/main" val="2392860345"/>
+      </p:ext>
+    </p:extLst>
+  </p:cSld>
+  <p:clrMapOvr>
+    <a:masterClrMapping/>
+  </p:clrMapOvr>
+</p:sld>
+</file>
+
+<file path=ppt/slides/slide8.xml><?xml version="1.0" encoding="utf-8"?>
+<p:sld xmlns:a="http://schemas.openxmlformats.org/drawingml/2006/main" xmlns:r="http://schemas.openxmlformats.org/officeDocument/2006/relationships" xmlns:p="http://schemas.openxmlformats.org/presentationml/2006/main">
+  <p:cSld>
+    <p:spTree>
+      <p:nvGrpSpPr>
+        <p:cNvPr id="1" name=""/>
+        <p:cNvGrpSpPr/>
+        <p:nvPr/>
+      </p:nvGrpSpPr>
+      <p:grpSpPr>
+        <a:xfrm>
+          <a:off x="0" y="0"/>
+          <a:ext cx="0" cy="0"/>
+          <a:chOff x="0" y="0"/>
+          <a:chExt cx="0" cy="0"/>
+        </a:xfrm>
+      </p:grpSpPr>
+      <p:sp>
+        <p:nvSpPr>
+          <p:cNvPr id="2" name="TextBox 1"/>
           <p:cNvSpPr txBox="1"/>
           <p:nvPr/>
         </p:nvSpPr>
         <p:spPr>
           <a:xfrm>
-            <a:off x="4084981" y="2485566"/>
-            <a:ext cx="3456395" cy="1569660"/>
+            <a:off x="302509" y="302508"/>
+            <a:ext cx="1991764" cy="461665"/>
           </a:xfrm>
           <a:prstGeom prst="rect">
             <a:avLst/>
@@ -4593,22 +5717,14 @@
           <a:lstStyle/>
           <a:p>
             <a:r>
-              <a:rPr lang="en-US" sz="9600" b="1" dirty="0" smtClean="0">
-                <a:solidFill>
-                  <a:srgbClr val="7030A0"/>
-                </a:solidFill>
+              <a:rPr lang="fr-FR" sz="2400" dirty="0" smtClean="0">
                 <a:latin typeface="Segoe UI" panose="020B0502040204020203" pitchFamily="34" charset="0"/>
-                <a:ea typeface="Verdana" panose="020B0604030504040204" pitchFamily="34" charset="0"/>
                 <a:cs typeface="Segoe UI" panose="020B0502040204020203" pitchFamily="34" charset="0"/>
               </a:rPr>
-              <a:t>Merci</a:t>
-            </a:r>
-            <a:endParaRPr lang="en-US" sz="9600" b="1" dirty="0">
-              <a:solidFill>
-                <a:srgbClr val="7030A0"/>
-              </a:solidFill>
+              <a:t>Transposition</a:t>
+            </a:r>
+            <a:endParaRPr lang="en-US" sz="2400" dirty="0">
               <a:latin typeface="Segoe UI" panose="020B0502040204020203" pitchFamily="34" charset="0"/>
-              <a:ea typeface="Verdana" panose="020B0604030504040204" pitchFamily="34" charset="0"/>
               <a:cs typeface="Segoe UI" panose="020B0502040204020203" pitchFamily="34" charset="0"/>
             </a:endParaRPr>
           </a:p>
@@ -4616,14 +5732,169 @@
       </p:sp>
       <p:sp>
         <p:nvSpPr>
-          <p:cNvPr id="8" name="TextBox 7"/>
+          <p:cNvPr id="3" name="Rectangle 2"/>
+          <p:cNvSpPr/>
+          <p:nvPr/>
+        </p:nvSpPr>
+        <p:spPr>
+          <a:xfrm>
+            <a:off x="374169" y="810564"/>
+            <a:ext cx="7240636" cy="400110"/>
+          </a:xfrm>
+          <a:prstGeom prst="rect">
+            <a:avLst/>
+          </a:prstGeom>
+        </p:spPr>
+        <p:txBody>
+          <a:bodyPr wrap="none">
+            <a:spAutoFit/>
+          </a:bodyPr>
+          <a:lstStyle/>
+          <a:p>
+            <a:r>
+              <a:rPr lang="fr-FR" sz="2000" dirty="0" smtClean="0"/>
+              <a:t>Le résultat final après conversion des types de colonnes devrait être </a:t>
+            </a:r>
+            <a:endParaRPr lang="en-US" sz="2000" dirty="0"/>
+          </a:p>
+        </p:txBody>
+      </p:sp>
+      <p:pic>
+        <p:nvPicPr>
+          <p:cNvPr id="7" name="Picture 6"/>
+          <p:cNvPicPr>
+            <a:picLocks noChangeAspect="1"/>
+          </p:cNvPicPr>
+          <p:nvPr/>
+        </p:nvPicPr>
+        <p:blipFill>
+          <a:blip r:embed="rId2"/>
+          <a:stretch>
+            <a:fillRect/>
+          </a:stretch>
+        </p:blipFill>
+        <p:spPr>
+          <a:xfrm>
+            <a:off x="462409" y="1485451"/>
+            <a:ext cx="4887007" cy="4382112"/>
+          </a:xfrm>
+          <a:prstGeom prst="rect">
+            <a:avLst/>
+          </a:prstGeom>
+        </p:spPr>
+      </p:pic>
+      <p:cxnSp>
+        <p:nvCxnSpPr>
+          <p:cNvPr id="11" name="Straight Arrow Connector 10"/>
+          <p:cNvCxnSpPr/>
+          <p:nvPr/>
+        </p:nvCxnSpPr>
+        <p:spPr>
+          <a:xfrm flipH="1">
+            <a:off x="3891356" y="1485451"/>
+            <a:ext cx="103131" cy="384600"/>
+          </a:xfrm>
+          <a:prstGeom prst="straightConnector1">
+            <a:avLst/>
+          </a:prstGeom>
+          <a:ln>
+            <a:solidFill>
+              <a:srgbClr val="FF0000"/>
+            </a:solidFill>
+            <a:tailEnd type="triangle"/>
+          </a:ln>
+        </p:spPr>
+        <p:style>
+          <a:lnRef idx="3">
+            <a:schemeClr val="accent2"/>
+          </a:lnRef>
+          <a:fillRef idx="0">
+            <a:schemeClr val="accent2"/>
+          </a:fillRef>
+          <a:effectRef idx="2">
+            <a:schemeClr val="accent2"/>
+          </a:effectRef>
+          <a:fontRef idx="minor">
+            <a:schemeClr val="tx1"/>
+          </a:fontRef>
+        </p:style>
+      </p:cxnSp>
+      <p:cxnSp>
+        <p:nvCxnSpPr>
+          <p:cNvPr id="13" name="Straight Arrow Connector 12"/>
+          <p:cNvCxnSpPr/>
+          <p:nvPr/>
+        </p:nvCxnSpPr>
+        <p:spPr>
+          <a:xfrm flipH="1">
+            <a:off x="2352460" y="1485451"/>
+            <a:ext cx="103131" cy="384600"/>
+          </a:xfrm>
+          <a:prstGeom prst="straightConnector1">
+            <a:avLst/>
+          </a:prstGeom>
+          <a:ln>
+            <a:solidFill>
+              <a:srgbClr val="FF0000"/>
+            </a:solidFill>
+            <a:tailEnd type="triangle"/>
+          </a:ln>
+        </p:spPr>
+        <p:style>
+          <a:lnRef idx="3">
+            <a:schemeClr val="accent2"/>
+          </a:lnRef>
+          <a:fillRef idx="0">
+            <a:schemeClr val="accent2"/>
+          </a:fillRef>
+          <a:effectRef idx="2">
+            <a:schemeClr val="accent2"/>
+          </a:effectRef>
+          <a:fontRef idx="minor">
+            <a:schemeClr val="tx1"/>
+          </a:fontRef>
+        </p:style>
+      </p:cxnSp>
+    </p:spTree>
+    <p:extLst>
+      <p:ext uri="{BB962C8B-B14F-4D97-AF65-F5344CB8AC3E}">
+        <p14:creationId xmlns:p14="http://schemas.microsoft.com/office/powerpoint/2010/main" val="3923909868"/>
+      </p:ext>
+    </p:extLst>
+  </p:cSld>
+  <p:clrMapOvr>
+    <a:masterClrMapping/>
+  </p:clrMapOvr>
+</p:sld>
+</file>
+
+<file path=ppt/slides/slide9.xml><?xml version="1.0" encoding="utf-8"?>
+<p:sld xmlns:a="http://schemas.openxmlformats.org/drawingml/2006/main" xmlns:r="http://schemas.openxmlformats.org/officeDocument/2006/relationships" xmlns:p="http://schemas.openxmlformats.org/presentationml/2006/main">
+  <p:cSld>
+    <p:spTree>
+      <p:nvGrpSpPr>
+        <p:cNvPr id="1" name=""/>
+        <p:cNvGrpSpPr/>
+        <p:nvPr/>
+      </p:nvGrpSpPr>
+      <p:grpSpPr>
+        <a:xfrm>
+          <a:off x="0" y="0"/>
+          <a:ext cx="0" cy="0"/>
+          <a:chOff x="0" y="0"/>
+          <a:chExt cx="0" cy="0"/>
+        </a:xfrm>
+      </p:grpSpPr>
+      <p:sp>
+        <p:nvSpPr>
+          <p:cNvPr id="2" name="TextBox 1"/>
           <p:cNvSpPr txBox="1"/>
           <p:nvPr/>
         </p:nvSpPr>
         <p:spPr>
           <a:xfrm>
-            <a:off x="4014739" y="2410365"/>
-            <a:ext cx="3456395" cy="1569660"/>
+            <a:off x="302509" y="302508"/>
+            <a:ext cx="1991764" cy="461665"/>
           </a:xfrm>
           <a:prstGeom prst="rect">
             <a:avLst/>
@@ -4637,31 +5908,206 @@
           <a:lstStyle/>
           <a:p>
             <a:r>
-              <a:rPr lang="en-US" sz="9600" b="1" dirty="0" smtClean="0">
-                <a:solidFill>
-                  <a:schemeClr val="bg1"/>
-                </a:solidFill>
+              <a:rPr lang="fr-FR" sz="2400" dirty="0" smtClean="0">
                 <a:latin typeface="Segoe UI" panose="020B0502040204020203" pitchFamily="34" charset="0"/>
-                <a:ea typeface="Verdana" panose="020B0604030504040204" pitchFamily="34" charset="0"/>
                 <a:cs typeface="Segoe UI" panose="020B0502040204020203" pitchFamily="34" charset="0"/>
               </a:rPr>
-              <a:t>Merci</a:t>
-            </a:r>
-            <a:endParaRPr lang="en-US" sz="9600" b="1" dirty="0">
-              <a:solidFill>
-                <a:schemeClr val="bg1"/>
-              </a:solidFill>
+              <a:t>Transposition</a:t>
+            </a:r>
+            <a:endParaRPr lang="en-US" sz="2400" dirty="0">
               <a:latin typeface="Segoe UI" panose="020B0502040204020203" pitchFamily="34" charset="0"/>
-              <a:ea typeface="Verdana" panose="020B0604030504040204" pitchFamily="34" charset="0"/>
               <a:cs typeface="Segoe UI" panose="020B0502040204020203" pitchFamily="34" charset="0"/>
             </a:endParaRPr>
           </a:p>
         </p:txBody>
       </p:sp>
+      <p:sp>
+        <p:nvSpPr>
+          <p:cNvPr id="3" name="Rectangle 2"/>
+          <p:cNvSpPr/>
+          <p:nvPr/>
+        </p:nvSpPr>
+        <p:spPr>
+          <a:xfrm>
+            <a:off x="374169" y="810564"/>
+            <a:ext cx="5208862" cy="400110"/>
+          </a:xfrm>
+          <a:prstGeom prst="rect">
+            <a:avLst/>
+          </a:prstGeom>
+        </p:spPr>
+        <p:txBody>
+          <a:bodyPr wrap="none">
+            <a:spAutoFit/>
+          </a:bodyPr>
+          <a:lstStyle/>
+          <a:p>
+            <a:r>
+              <a:rPr lang="fr-FR" sz="2000" dirty="0" smtClean="0"/>
+              <a:t>Il est maintenant  possible d’arrondir les valeurs </a:t>
+            </a:r>
+            <a:endParaRPr lang="en-US" sz="2000" dirty="0"/>
+          </a:p>
+        </p:txBody>
+      </p:sp>
+      <p:pic>
+        <p:nvPicPr>
+          <p:cNvPr id="5" name="Picture 4"/>
+          <p:cNvPicPr>
+            <a:picLocks noChangeAspect="1"/>
+          </p:cNvPicPr>
+          <p:nvPr/>
+        </p:nvPicPr>
+        <p:blipFill>
+          <a:blip r:embed="rId2"/>
+          <a:stretch>
+            <a:fillRect/>
+          </a:stretch>
+        </p:blipFill>
+        <p:spPr>
+          <a:xfrm>
+            <a:off x="517178" y="1306286"/>
+            <a:ext cx="8279765" cy="5086394"/>
+          </a:xfrm>
+          <a:prstGeom prst="rect">
+            <a:avLst/>
+          </a:prstGeom>
+        </p:spPr>
+      </p:pic>
+      <p:sp>
+        <p:nvSpPr>
+          <p:cNvPr id="9" name="Rectangle 8"/>
+          <p:cNvSpPr/>
+          <p:nvPr/>
+        </p:nvSpPr>
+        <p:spPr>
+          <a:xfrm>
+            <a:off x="1230656" y="1306286"/>
+            <a:ext cx="715022" cy="178755"/>
+          </a:xfrm>
+          <a:prstGeom prst="rect">
+            <a:avLst/>
+          </a:prstGeom>
+          <a:solidFill>
+            <a:srgbClr val="FF0000">
+              <a:alpha val="26000"/>
+            </a:srgbClr>
+          </a:solidFill>
+          <a:ln>
+            <a:noFill/>
+          </a:ln>
+        </p:spPr>
+        <p:style>
+          <a:lnRef idx="2">
+            <a:schemeClr val="accent1">
+              <a:shade val="50000"/>
+            </a:schemeClr>
+          </a:lnRef>
+          <a:fillRef idx="1">
+            <a:schemeClr val="accent1"/>
+          </a:fillRef>
+          <a:effectRef idx="0">
+            <a:schemeClr val="accent1"/>
+          </a:effectRef>
+          <a:fontRef idx="minor">
+            <a:schemeClr val="lt1"/>
+          </a:fontRef>
+        </p:style>
+        <p:txBody>
+          <a:bodyPr rtlCol="0" anchor="ctr"/>
+          <a:lstStyle/>
+          <a:p>
+            <a:pPr algn="ctr"/>
+            <a:endParaRPr lang="en-US"/>
+          </a:p>
+        </p:txBody>
+      </p:sp>
+      <p:sp>
+        <p:nvSpPr>
+          <p:cNvPr id="10" name="Rectangle 9"/>
+          <p:cNvSpPr/>
+          <p:nvPr/>
+        </p:nvSpPr>
+        <p:spPr>
+          <a:xfrm>
+            <a:off x="7577600" y="2324960"/>
+            <a:ext cx="1112637" cy="184484"/>
+          </a:xfrm>
+          <a:prstGeom prst="rect">
+            <a:avLst/>
+          </a:prstGeom>
+          <a:solidFill>
+            <a:srgbClr val="FF0000">
+              <a:alpha val="26000"/>
+            </a:srgbClr>
+          </a:solidFill>
+          <a:ln>
+            <a:noFill/>
+          </a:ln>
+        </p:spPr>
+        <p:style>
+          <a:lnRef idx="2">
+            <a:schemeClr val="accent1">
+              <a:shade val="50000"/>
+            </a:schemeClr>
+          </a:lnRef>
+          <a:fillRef idx="1">
+            <a:schemeClr val="accent1"/>
+          </a:fillRef>
+          <a:effectRef idx="0">
+            <a:schemeClr val="accent1"/>
+          </a:effectRef>
+          <a:fontRef idx="minor">
+            <a:schemeClr val="lt1"/>
+          </a:fontRef>
+        </p:style>
+        <p:txBody>
+          <a:bodyPr rtlCol="0" anchor="ctr"/>
+          <a:lstStyle/>
+          <a:p>
+            <a:pPr algn="ctr"/>
+            <a:endParaRPr lang="en-US"/>
+          </a:p>
+        </p:txBody>
+      </p:sp>
+      <p:pic>
+        <p:nvPicPr>
+          <p:cNvPr id="6" name="Picture 5"/>
+          <p:cNvPicPr>
+            <a:picLocks noChangeAspect="1"/>
+          </p:cNvPicPr>
+          <p:nvPr/>
+        </p:nvPicPr>
+        <p:blipFill>
+          <a:blip r:embed="rId3"/>
+          <a:stretch>
+            <a:fillRect/>
+          </a:stretch>
+        </p:blipFill>
+        <p:spPr>
+          <a:xfrm>
+            <a:off x="7283224" y="2983557"/>
+            <a:ext cx="4610743" cy="1867161"/>
+          </a:xfrm>
+          <a:prstGeom prst="rect">
+            <a:avLst/>
+          </a:prstGeom>
+          <a:ln>
+            <a:noFill/>
+          </a:ln>
+          <a:effectLst>
+            <a:outerShdw blurRad="292100" dist="139700" dir="2700000" algn="tl" rotWithShape="0">
+              <a:srgbClr val="333333">
+                <a:alpha val="65000"/>
+              </a:srgbClr>
+            </a:outerShdw>
+          </a:effectLst>
+        </p:spPr>
+      </p:pic>
     </p:spTree>
     <p:extLst>
       <p:ext uri="{BB962C8B-B14F-4D97-AF65-F5344CB8AC3E}">
-        <p14:creationId xmlns:p14="http://schemas.microsoft.com/office/powerpoint/2010/main" val="3494127604"/>
+        <p14:creationId xmlns:p14="http://schemas.microsoft.com/office/powerpoint/2010/main" val="1128298849"/>
       </p:ext>
     </p:extLst>
   </p:cSld>
